--- a/paper/MS.pptx
+++ b/paper/MS.pptx
@@ -2968,36 +2968,6 @@
       </p:grpSpPr>
       <p:pic>
         <p:nvPicPr>
-          <p:cNvPr id="6" name="Picture 5">
-            <a:extLst>
-              <a:ext uri="{FF2B5EF4-FFF2-40B4-BE49-F238E27FC236}">
-                <a16:creationId xmlns:a16="http://schemas.microsoft.com/office/drawing/2014/main" id="{1A882457-9059-BC4F-8228-BAC69F7B3599}"/>
-              </a:ext>
-            </a:extLst>
-          </p:cNvPr>
-          <p:cNvPicPr>
-            <a:picLocks noChangeAspect="1"/>
-          </p:cNvPicPr>
-          <p:nvPr/>
-        </p:nvPicPr>
-        <p:blipFill>
-          <a:blip r:embed="rId2"/>
-          <a:stretch>
-            <a:fillRect/>
-          </a:stretch>
-        </p:blipFill>
-        <p:spPr>
-          <a:xfrm>
-            <a:off x="267277" y="423141"/>
-            <a:ext cx="5270500" cy="317500"/>
-          </a:xfrm>
-          <a:prstGeom prst="rect">
-            <a:avLst/>
-          </a:prstGeom>
-        </p:spPr>
-      </p:pic>
-      <p:pic>
-        <p:nvPicPr>
           <p:cNvPr id="7" name="Picture 6">
             <a:extLst>
               <a:ext uri="{FF2B5EF4-FFF2-40B4-BE49-F238E27FC236}">
@@ -3011,7 +2981,7 @@
           <p:nvPr/>
         </p:nvPicPr>
         <p:blipFill>
-          <a:blip r:embed="rId3"/>
+          <a:blip r:embed="rId2"/>
           <a:stretch>
             <a:fillRect/>
           </a:stretch>
@@ -3041,7 +3011,7 @@
           <p:nvPr/>
         </p:nvPicPr>
         <p:blipFill>
-          <a:blip r:embed="rId4"/>
+          <a:blip r:embed="rId3"/>
           <a:stretch>
             <a:fillRect/>
           </a:stretch>
@@ -3258,6 +3228,66 @@
           </a:p>
         </p:txBody>
       </p:sp>
+      <p:pic>
+        <p:nvPicPr>
+          <p:cNvPr id="15" name="Picture 14">
+            <a:extLst>
+              <a:ext uri="{FF2B5EF4-FFF2-40B4-BE49-F238E27FC236}">
+                <a16:creationId xmlns:a16="http://schemas.microsoft.com/office/drawing/2014/main" id="{03C612D6-92CE-B64C-8446-D202CD8EF0A0}"/>
+              </a:ext>
+            </a:extLst>
+          </p:cNvPr>
+          <p:cNvPicPr>
+            <a:picLocks noChangeAspect="1"/>
+          </p:cNvPicPr>
+          <p:nvPr/>
+        </p:nvPicPr>
+        <p:blipFill>
+          <a:blip r:embed="rId4"/>
+          <a:stretch>
+            <a:fillRect/>
+          </a:stretch>
+        </p:blipFill>
+        <p:spPr>
+          <a:xfrm>
+            <a:off x="285173" y="490164"/>
+            <a:ext cx="863600" cy="279400"/>
+          </a:xfrm>
+          <a:prstGeom prst="rect">
+            <a:avLst/>
+          </a:prstGeom>
+        </p:spPr>
+      </p:pic>
+      <p:pic>
+        <p:nvPicPr>
+          <p:cNvPr id="16" name="Picture 15">
+            <a:extLst>
+              <a:ext uri="{FF2B5EF4-FFF2-40B4-BE49-F238E27FC236}">
+                <a16:creationId xmlns:a16="http://schemas.microsoft.com/office/drawing/2014/main" id="{C89EE123-76E5-E447-960F-DA981C04D196}"/>
+              </a:ext>
+            </a:extLst>
+          </p:cNvPr>
+          <p:cNvPicPr>
+            <a:picLocks noChangeAspect="1"/>
+          </p:cNvPicPr>
+          <p:nvPr/>
+        </p:nvPicPr>
+        <p:blipFill>
+          <a:blip r:embed="rId5"/>
+          <a:stretch>
+            <a:fillRect/>
+          </a:stretch>
+        </p:blipFill>
+        <p:spPr>
+          <a:xfrm>
+            <a:off x="1148773" y="483175"/>
+            <a:ext cx="4076700" cy="304800"/>
+          </a:xfrm>
+          <a:prstGeom prst="rect">
+            <a:avLst/>
+          </a:prstGeom>
+        </p:spPr>
+      </p:pic>
     </p:spTree>
     <p:extLst>
       <p:ext uri="{BB962C8B-B14F-4D97-AF65-F5344CB8AC3E}">

--- a/paper/MS.pptx
+++ b/paper/MS.pptx
@@ -104,6 +104,11 @@
       </a:defRPr>
     </a:lvl9pPr>
   </p:defaultTextStyle>
+  <p:extLst>
+    <p:ext uri="{EFAFB233-063F-42B5-8137-9DF3F51BA10A}">
+      <p15:sldGuideLst xmlns:p15="http://schemas.microsoft.com/office/powerpoint/2012/main"/>
+    </p:ext>
+  </p:extLst>
 </p:presentation>
 </file>
 
@@ -238,7 +243,7 @@
           <a:p>
             <a:fld id="{0BBFE99E-8E6B-B942-B818-B92772EC6ABB}" type="datetimeFigureOut">
               <a:rPr lang="en-US" smtClean="0"/>
-              <a:t>1/11/22</a:t>
+              <a:t>1/16/22</a:t>
             </a:fld>
             <a:endParaRPr lang="en-US"/>
           </a:p>
@@ -408,7 +413,7 @@
           <a:p>
             <a:fld id="{0BBFE99E-8E6B-B942-B818-B92772EC6ABB}" type="datetimeFigureOut">
               <a:rPr lang="en-US" smtClean="0"/>
-              <a:t>1/11/22</a:t>
+              <a:t>1/16/22</a:t>
             </a:fld>
             <a:endParaRPr lang="en-US"/>
           </a:p>
@@ -588,7 +593,7 @@
           <a:p>
             <a:fld id="{0BBFE99E-8E6B-B942-B818-B92772EC6ABB}" type="datetimeFigureOut">
               <a:rPr lang="en-US" smtClean="0"/>
-              <a:t>1/11/22</a:t>
+              <a:t>1/16/22</a:t>
             </a:fld>
             <a:endParaRPr lang="en-US"/>
           </a:p>
@@ -758,7 +763,7 @@
           <a:p>
             <a:fld id="{0BBFE99E-8E6B-B942-B818-B92772EC6ABB}" type="datetimeFigureOut">
               <a:rPr lang="en-US" smtClean="0"/>
-              <a:t>1/11/22</a:t>
+              <a:t>1/16/22</a:t>
             </a:fld>
             <a:endParaRPr lang="en-US"/>
           </a:p>
@@ -1002,7 +1007,7 @@
           <a:p>
             <a:fld id="{0BBFE99E-8E6B-B942-B818-B92772EC6ABB}" type="datetimeFigureOut">
               <a:rPr lang="en-US" smtClean="0"/>
-              <a:t>1/11/22</a:t>
+              <a:t>1/16/22</a:t>
             </a:fld>
             <a:endParaRPr lang="en-US"/>
           </a:p>
@@ -1234,7 +1239,7 @@
           <a:p>
             <a:fld id="{0BBFE99E-8E6B-B942-B818-B92772EC6ABB}" type="datetimeFigureOut">
               <a:rPr lang="en-US" smtClean="0"/>
-              <a:t>1/11/22</a:t>
+              <a:t>1/16/22</a:t>
             </a:fld>
             <a:endParaRPr lang="en-US"/>
           </a:p>
@@ -1601,7 +1606,7 @@
           <a:p>
             <a:fld id="{0BBFE99E-8E6B-B942-B818-B92772EC6ABB}" type="datetimeFigureOut">
               <a:rPr lang="en-US" smtClean="0"/>
-              <a:t>1/11/22</a:t>
+              <a:t>1/16/22</a:t>
             </a:fld>
             <a:endParaRPr lang="en-US"/>
           </a:p>
@@ -1719,7 +1724,7 @@
           <a:p>
             <a:fld id="{0BBFE99E-8E6B-B942-B818-B92772EC6ABB}" type="datetimeFigureOut">
               <a:rPr lang="en-US" smtClean="0"/>
-              <a:t>1/11/22</a:t>
+              <a:t>1/16/22</a:t>
             </a:fld>
             <a:endParaRPr lang="en-US"/>
           </a:p>
@@ -1814,7 +1819,7 @@
           <a:p>
             <a:fld id="{0BBFE99E-8E6B-B942-B818-B92772EC6ABB}" type="datetimeFigureOut">
               <a:rPr lang="en-US" smtClean="0"/>
-              <a:t>1/11/22</a:t>
+              <a:t>1/16/22</a:t>
             </a:fld>
             <a:endParaRPr lang="en-US"/>
           </a:p>
@@ -2091,7 +2096,7 @@
           <a:p>
             <a:fld id="{0BBFE99E-8E6B-B942-B818-B92772EC6ABB}" type="datetimeFigureOut">
               <a:rPr lang="en-US" smtClean="0"/>
-              <a:t>1/11/22</a:t>
+              <a:t>1/16/22</a:t>
             </a:fld>
             <a:endParaRPr lang="en-US"/>
           </a:p>
@@ -2348,7 +2353,7 @@
           <a:p>
             <a:fld id="{0BBFE99E-8E6B-B942-B818-B92772EC6ABB}" type="datetimeFigureOut">
               <a:rPr lang="en-US" smtClean="0"/>
-              <a:t>1/11/22</a:t>
+              <a:t>1/16/22</a:t>
             </a:fld>
             <a:endParaRPr lang="en-US"/>
           </a:p>
@@ -2561,7 +2566,7 @@
           <a:p>
             <a:fld id="{0BBFE99E-8E6B-B942-B818-B92772EC6ABB}" type="datetimeFigureOut">
               <a:rPr lang="en-US" smtClean="0"/>
-              <a:t>1/11/22</a:t>
+              <a:t>1/16/22</a:t>
             </a:fld>
             <a:endParaRPr lang="en-US"/>
           </a:p>
@@ -3058,14 +3063,30 @@
           <a:lstStyle/>
           <a:p>
             <a:r>
+              <a:rPr lang="en-US" sz="900" b="1" dirty="0"/>
+              <a:t>from</a:t>
+            </a:r>
+            <a:r>
               <a:rPr lang="en-US" sz="900" dirty="0"/>
-              <a:t>from synch import Lock, acquire, release</a:t>
-            </a:r>
-          </a:p>
-          <a:p>
+              <a:t> synch </a:t>
+            </a:r>
+            <a:r>
+              <a:rPr lang="en-US" sz="900" b="1" dirty="0"/>
+              <a:t>import</a:t>
+            </a:r>
             <a:r>
               <a:rPr lang="en-US" sz="900" dirty="0"/>
-              <a:t>from </a:t>
+              <a:t> Lock, acquire, release</a:t>
+            </a:r>
+          </a:p>
+          <a:p>
+            <a:r>
+              <a:rPr lang="en-US" sz="900" b="1" dirty="0"/>
+              <a:t>from</a:t>
+            </a:r>
+            <a:r>
+              <a:rPr lang="en-US" sz="900" dirty="0"/>
+              <a:t> </a:t>
             </a:r>
             <a:r>
               <a:rPr lang="en-US" sz="900" dirty="0" err="1"/>
@@ -3073,7 +3094,15 @@
             </a:r>
             <a:r>
               <a:rPr lang="en-US" sz="900" dirty="0"/>
-              <a:t> import malloc, free</a:t>
+              <a:t> </a:t>
+            </a:r>
+            <a:r>
+              <a:rPr lang="en-US" sz="900" b="1" dirty="0"/>
+              <a:t>import</a:t>
+            </a:r>
+            <a:r>
+              <a:rPr lang="en-US" sz="900" dirty="0"/>
+              <a:t> malloc, free</a:t>
             </a:r>
           </a:p>
           <a:p>
@@ -3081,14 +3110,34 @@
           </a:p>
           <a:p>
             <a:r>
+              <a:rPr lang="en-US" sz="900" b="1" dirty="0"/>
+              <a:t>def</a:t>
+            </a:r>
+            <a:r>
               <a:rPr lang="en-US" sz="900" dirty="0"/>
-              <a:t>def Queue():</a:t>
+              <a:t> Queue():</a:t>
             </a:r>
           </a:p>
           <a:p>
             <a:r>
               <a:rPr lang="en-US" sz="900" dirty="0"/>
-              <a:t>    let node = malloc({.next: None }):</a:t>
+              <a:t>    </a:t>
+            </a:r>
+            <a:r>
+              <a:rPr lang="en-US" sz="900" b="1" dirty="0"/>
+              <a:t>let</a:t>
+            </a:r>
+            <a:r>
+              <a:rPr lang="en-US" sz="900" dirty="0"/>
+              <a:t> node = malloc({.next: </a:t>
+            </a:r>
+            <a:r>
+              <a:rPr lang="en-US" sz="900" b="1" dirty="0"/>
+              <a:t>None</a:t>
+            </a:r>
+            <a:r>
+              <a:rPr lang="en-US" sz="900" dirty="0"/>
+              <a:t> }):</a:t>
             </a:r>
           </a:p>
           <a:p>
@@ -3124,14 +3173,34 @@
           </a:p>
           <a:p>
             <a:r>
+              <a:rPr lang="en-US" sz="900" b="1" dirty="0"/>
+              <a:t>def</a:t>
+            </a:r>
+            <a:r>
               <a:rPr lang="en-US" sz="900" dirty="0"/>
-              <a:t>def enqueue(Q, value):</a:t>
+              <a:t> enqueue(Q, value):</a:t>
             </a:r>
           </a:p>
           <a:p>
             <a:r>
               <a:rPr lang="en-US" sz="900" dirty="0"/>
-              <a:t>    let node = malloc({ .value: value, .next: None }):</a:t>
+              <a:t>    </a:t>
+            </a:r>
+            <a:r>
+              <a:rPr lang="en-US" sz="900" b="1" dirty="0"/>
+              <a:t>let</a:t>
+            </a:r>
+            <a:r>
+              <a:rPr lang="en-US" sz="900" dirty="0"/>
+              <a:t> node = malloc({ .value: value, .next: </a:t>
+            </a:r>
+            <a:r>
+              <a:rPr lang="en-US" sz="900" b="1" dirty="0"/>
+              <a:t>None</a:t>
+            </a:r>
+            <a:r>
+              <a:rPr lang="en-US" sz="900" dirty="0"/>
+              <a:t> }):</a:t>
             </a:r>
           </a:p>
           <a:p>
